--- a/Churn Prediction.pptx
+++ b/Churn Prediction.pptx
@@ -5,16 +5,17 @@
     <p:sldMasterId id="2147483739" r:id="rId1"/>
   </p:sldMasterIdLst>
   <p:notesMasterIdLst>
-    <p:notesMasterId r:id="rId9"/>
+    <p:notesMasterId r:id="rId10"/>
   </p:notesMasterIdLst>
   <p:sldIdLst>
     <p:sldId id="256" r:id="rId2"/>
-    <p:sldId id="257" r:id="rId3"/>
-    <p:sldId id="258" r:id="rId4"/>
-    <p:sldId id="259" r:id="rId5"/>
-    <p:sldId id="260" r:id="rId6"/>
-    <p:sldId id="261" r:id="rId7"/>
-    <p:sldId id="262" r:id="rId8"/>
+    <p:sldId id="263" r:id="rId3"/>
+    <p:sldId id="257" r:id="rId4"/>
+    <p:sldId id="258" r:id="rId5"/>
+    <p:sldId id="259" r:id="rId6"/>
+    <p:sldId id="260" r:id="rId7"/>
+    <p:sldId id="261" r:id="rId8"/>
+    <p:sldId id="262" r:id="rId9"/>
   </p:sldIdLst>
   <p:sldSz cx="12192000" cy="6858000"/>
   <p:notesSz cx="6858000" cy="9144000"/>
@@ -535,7 +536,7 @@
           <a:p>
             <a:fld id="{D3F65B6C-DCF3-47A7-B0C2-3F0862AB3B88}" type="slidenum">
               <a:rPr lang="en-US" smtClean="0"/>
-              <a:t>7</a:t>
+              <a:t>8</a:t>
             </a:fld>
             <a:endParaRPr lang="en-US"/>
           </a:p>
@@ -4637,7 +4638,7 @@
           <p:cNvPr id="2" name="Title 1">
             <a:extLst>
               <a:ext uri="{FF2B5EF4-FFF2-40B4-BE49-F238E27FC236}">
-                <a16:creationId xmlns:a16="http://schemas.microsoft.com/office/drawing/2014/main" id="{E70BF3C8-4DE4-ED53-B260-586D50388B46}"/>
+                <a16:creationId xmlns:a16="http://schemas.microsoft.com/office/drawing/2014/main" id="{769A915A-CC27-31D5-FC4B-E9B9570370ED}"/>
               </a:ext>
             </a:extLst>
           </p:cNvPr>
@@ -4650,8 +4651,8 @@
         </p:nvSpPr>
         <p:spPr>
           <a:xfrm>
-            <a:off x="517870" y="978409"/>
-            <a:ext cx="4695153" cy="633576"/>
+            <a:off x="517869" y="978408"/>
+            <a:ext cx="11029966" cy="1029501"/>
           </a:xfrm>
         </p:spPr>
         <p:txBody>
@@ -4662,8 +4663,12 @@
           <a:p>
             <a:r>
               <a:rPr lang="en-US" dirty="0"/>
-              <a:t>Abstract :-</a:t>
-            </a:r>
+              <a:t>REFERENCES : </a:t>
+            </a:r>
+            <a:br>
+              <a:rPr lang="en-US" dirty="0"/>
+            </a:br>
+            <a:endParaRPr lang="en-US" dirty="0"/>
           </a:p>
         </p:txBody>
       </p:sp>
@@ -4672,7 +4677,7 @@
           <p:cNvPr id="3" name="Content Placeholder 2">
             <a:extLst>
               <a:ext uri="{FF2B5EF4-FFF2-40B4-BE49-F238E27FC236}">
-                <a16:creationId xmlns:a16="http://schemas.microsoft.com/office/drawing/2014/main" id="{0CBDC7AE-246E-1EC6-DB51-28A4E9E2408C}"/>
+                <a16:creationId xmlns:a16="http://schemas.microsoft.com/office/drawing/2014/main" id="{E08A97FC-5057-B0D5-72AF-DBD3FB04A026}"/>
               </a:ext>
             </a:extLst>
           </p:cNvPr>
@@ -4685,69 +4690,43 @@
         </p:nvSpPr>
         <p:spPr>
           <a:xfrm>
-            <a:off x="405353" y="1819373"/>
-            <a:ext cx="11368725" cy="4572001"/>
+            <a:off x="517869" y="3242822"/>
+            <a:ext cx="11165481" cy="2596900"/>
           </a:xfrm>
         </p:spPr>
         <p:txBody>
           <a:bodyPr/>
           <a:lstStyle/>
           <a:p>
-            <a:pPr marL="342900" indent="-342900">
-              <a:buFont typeface="Arial" panose="020B0604020202020204" pitchFamily="34" charset="0"/>
-              <a:buChar char="•"/>
-            </a:pPr>
-            <a:r>
-              <a:rPr lang="en-US" dirty="0"/>
-              <a:t>The field of telecommunication faces complex challenges due to a number of vibrant competitive service providers.</a:t>
-            </a:r>
-          </a:p>
-          <a:p>
-            <a:pPr marL="342900" indent="-342900">
-              <a:buFont typeface="Arial" panose="020B0604020202020204" pitchFamily="34" charset="0"/>
-              <a:buChar char="•"/>
-            </a:pPr>
-            <a:r>
-              <a:rPr lang="en-US" dirty="0"/>
-              <a:t>It has become very difficult for them to retain existing customers. Since the cost of acquiring new customers is much higher than the cost of retaining the existing customers.</a:t>
-            </a:r>
-          </a:p>
-          <a:p>
-            <a:pPr marL="342900" indent="-342900">
-              <a:buFont typeface="Arial" panose="020B0604020202020204" pitchFamily="34" charset="0"/>
-              <a:buChar char="•"/>
-            </a:pPr>
-            <a:r>
-              <a:rPr lang="en-US" dirty="0"/>
-              <a:t>telecom industries to take the necessary steps to retain the customers to stabilize their market value.</a:t>
-            </a:r>
-          </a:p>
-          <a:p>
-            <a:pPr marL="342900" indent="-342900">
-              <a:buFont typeface="Arial" panose="020B0604020202020204" pitchFamily="34" charset="0"/>
-              <a:buChar char="•"/>
-            </a:pPr>
-            <a:r>
-              <a:rPr lang="en-US" dirty="0"/>
-              <a:t>In the current decade, several techniques have been proposed in the literature for predicting churners using heterogeneous customer records.  </a:t>
-            </a:r>
-          </a:p>
-          <a:p>
-            <a:pPr marL="342900" indent="-342900">
-              <a:buFont typeface="Arial" panose="020B0604020202020204" pitchFamily="34" charset="0"/>
-              <a:buChar char="•"/>
-            </a:pPr>
-            <a:r>
-              <a:rPr lang="en-US" dirty="0"/>
-              <a:t>Here in this project one or two such methods were implemented to predict the Customer Churn.</a:t>
-            </a:r>
+            <a:r>
+              <a:rPr lang="en-US" dirty="0">
+                <a:hlinkClick r:id="rId2"/>
+              </a:rPr>
+              <a:t>https://downloads.hindawi.com/journals/ddns/2021/7160527.pdf</a:t>
+            </a:r>
+            <a:endParaRPr lang="en-US" dirty="0"/>
+          </a:p>
+          <a:p>
+            <a:endParaRPr lang="en-US" dirty="0"/>
+          </a:p>
+          <a:p>
+            <a:r>
+              <a:rPr lang="en-US" dirty="0">
+                <a:hlinkClick r:id="rId3"/>
+              </a:rPr>
+              <a:t>https://ieeexplore.ieee.org/abstract/document/9544785</a:t>
+            </a:r>
+            <a:endParaRPr lang="en-US" dirty="0"/>
+          </a:p>
+          <a:p>
+            <a:endParaRPr lang="en-US" dirty="0"/>
           </a:p>
         </p:txBody>
       </p:sp>
     </p:spTree>
     <p:extLst>
       <p:ext uri="{BB962C8B-B14F-4D97-AF65-F5344CB8AC3E}">
-        <p14:creationId xmlns:p14="http://schemas.microsoft.com/office/powerpoint/2010/main" val="1852905576"/>
+        <p14:creationId xmlns:p14="http://schemas.microsoft.com/office/powerpoint/2010/main" val="3399242917"/>
       </p:ext>
     </p:extLst>
   </p:cSld>
@@ -4779,7 +4758,7 @@
           <p:cNvPr id="2" name="Title 1">
             <a:extLst>
               <a:ext uri="{FF2B5EF4-FFF2-40B4-BE49-F238E27FC236}">
-                <a16:creationId xmlns:a16="http://schemas.microsoft.com/office/drawing/2014/main" id="{6AB035CA-F5B9-3CEF-7418-584CE2F4FC20}"/>
+                <a16:creationId xmlns:a16="http://schemas.microsoft.com/office/drawing/2014/main" id="{E70BF3C8-4DE4-ED53-B260-586D50388B46}"/>
               </a:ext>
             </a:extLst>
           </p:cNvPr>
@@ -4792,17 +4771,19 @@
         </p:nvSpPr>
         <p:spPr>
           <a:xfrm>
-            <a:off x="517870" y="978408"/>
-            <a:ext cx="5021182" cy="1076635"/>
+            <a:off x="517870" y="978409"/>
+            <a:ext cx="4695153" cy="633576"/>
           </a:xfrm>
         </p:spPr>
         <p:txBody>
-          <a:bodyPr/>
+          <a:bodyPr>
+            <a:normAutofit fontScale="90000"/>
+          </a:bodyPr>
           <a:lstStyle/>
           <a:p>
             <a:r>
               <a:rPr lang="en-US" dirty="0"/>
-              <a:t>Introduction</a:t>
+              <a:t>Abstract :-</a:t>
             </a:r>
           </a:p>
         </p:txBody>
@@ -4812,7 +4793,7 @@
           <p:cNvPr id="3" name="Content Placeholder 2">
             <a:extLst>
               <a:ext uri="{FF2B5EF4-FFF2-40B4-BE49-F238E27FC236}">
-                <a16:creationId xmlns:a16="http://schemas.microsoft.com/office/drawing/2014/main" id="{A9297229-6A5C-92FB-CC6B-723887761046}"/>
+                <a16:creationId xmlns:a16="http://schemas.microsoft.com/office/drawing/2014/main" id="{0CBDC7AE-246E-1EC6-DB51-28A4E9E2408C}"/>
               </a:ext>
             </a:extLst>
           </p:cNvPr>
@@ -4825,14 +4806,12 @@
         </p:nvSpPr>
         <p:spPr>
           <a:xfrm>
-            <a:off x="517870" y="1919014"/>
-            <a:ext cx="11275062" cy="4840004"/>
+            <a:off x="405353" y="1819373"/>
+            <a:ext cx="11368725" cy="4572001"/>
           </a:xfrm>
         </p:spPr>
         <p:txBody>
-          <a:bodyPr>
-            <a:normAutofit/>
-          </a:bodyPr>
+          <a:bodyPr/>
           <a:lstStyle/>
           <a:p>
             <a:pPr marL="342900" indent="-342900">
@@ -4841,7 +4820,7 @@
             </a:pPr>
             <a:r>
               <a:rPr lang="en-US" dirty="0"/>
-              <a:t>Digitalization has led to new ways of doing business and companies across the world are being forced to adapt to this. </a:t>
+              <a:t>The field of telecommunication faces complex challenges due to a number of vibrant competitive service providers.</a:t>
             </a:r>
           </a:p>
           <a:p>
@@ -4851,7 +4830,7 @@
             </a:pPr>
             <a:r>
               <a:rPr lang="en-US" dirty="0"/>
-              <a:t>During the COVID - 19 pandemic, subscription-based businesses grew significantly and consumers have a wide variety of options to choose from. This is a challenge for companies as retaining customers can be difficult.</a:t>
+              <a:t>It has become very difficult for them to retain existing customers. Since the cost of acquiring new customers is much higher than the cost of retaining the existing customers.</a:t>
             </a:r>
           </a:p>
           <a:p>
@@ -4861,7 +4840,7 @@
             </a:pPr>
             <a:r>
               <a:rPr lang="en-US" dirty="0"/>
-              <a:t>We have abundant information about the customers collected over the years. Therefore, it is necessary to automatically extract valuable information from this data. </a:t>
+              <a:t>telecom industries to take the necessary steps to retain the customers to stabilize their market value.</a:t>
             </a:r>
           </a:p>
           <a:p>
@@ -4871,7 +4850,7 @@
             </a:pPr>
             <a:r>
               <a:rPr lang="en-US" dirty="0"/>
-              <a:t>This has led to the growth machine learning techniques because of their ability to handle  large data and gain insights into them. </a:t>
+              <a:t>In the current decade, several techniques have been proposed in the literature for predicting churners using heterogeneous customer records.  </a:t>
             </a:r>
           </a:p>
           <a:p>
@@ -4881,7 +4860,7 @@
             </a:pPr>
             <a:r>
               <a:rPr lang="en-US" dirty="0"/>
-              <a:t>Enterprises use different data analysis techniques to find customer pattern behavior while purchasing a product to patterns related to customer churning. In a subscription-based business, the key part of success is to minimize the rate of customers ending their subscriptions</a:t>
+              <a:t>Here in this project one or two such methods were implemented to predict the Customer Churn.</a:t>
             </a:r>
           </a:p>
         </p:txBody>
@@ -4889,7 +4868,7 @@
     </p:spTree>
     <p:extLst>
       <p:ext uri="{BB962C8B-B14F-4D97-AF65-F5344CB8AC3E}">
-        <p14:creationId xmlns:p14="http://schemas.microsoft.com/office/powerpoint/2010/main" val="2796241229"/>
+        <p14:creationId xmlns:p14="http://schemas.microsoft.com/office/powerpoint/2010/main" val="1852905576"/>
       </p:ext>
     </p:extLst>
   </p:cSld>
@@ -4921,7 +4900,7 @@
           <p:cNvPr id="2" name="Title 1">
             <a:extLst>
               <a:ext uri="{FF2B5EF4-FFF2-40B4-BE49-F238E27FC236}">
-                <a16:creationId xmlns:a16="http://schemas.microsoft.com/office/drawing/2014/main" id="{BF8FECE2-2570-83CD-5667-D007B37969C5}"/>
+                <a16:creationId xmlns:a16="http://schemas.microsoft.com/office/drawing/2014/main" id="{6AB035CA-F5B9-3CEF-7418-584CE2F4FC20}"/>
               </a:ext>
             </a:extLst>
           </p:cNvPr>
@@ -4934,8 +4913,8 @@
         </p:nvSpPr>
         <p:spPr>
           <a:xfrm>
-            <a:off x="537328" y="978409"/>
-            <a:ext cx="10831398" cy="972940"/>
+            <a:off x="517870" y="978408"/>
+            <a:ext cx="5021182" cy="1076635"/>
           </a:xfrm>
         </p:spPr>
         <p:txBody>
@@ -4944,7 +4923,7 @@
           <a:p>
             <a:r>
               <a:rPr lang="en-US" dirty="0"/>
-              <a:t>WHAT IS CUSTOMER CHURN?</a:t>
+              <a:t>Introduction</a:t>
             </a:r>
           </a:p>
         </p:txBody>
@@ -4954,7 +4933,7 @@
           <p:cNvPr id="3" name="Content Placeholder 2">
             <a:extLst>
               <a:ext uri="{FF2B5EF4-FFF2-40B4-BE49-F238E27FC236}">
-                <a16:creationId xmlns:a16="http://schemas.microsoft.com/office/drawing/2014/main" id="{91F26DBB-86E9-D2C5-44AF-AC28B8EDC578}"/>
+                <a16:creationId xmlns:a16="http://schemas.microsoft.com/office/drawing/2014/main" id="{A9297229-6A5C-92FB-CC6B-723887761046}"/>
               </a:ext>
             </a:extLst>
           </p:cNvPr>
@@ -4967,12 +4946,14 @@
         </p:nvSpPr>
         <p:spPr>
           <a:xfrm>
-            <a:off x="641022" y="2121032"/>
-            <a:ext cx="11133055" cy="4543719"/>
+            <a:off x="517870" y="1919014"/>
+            <a:ext cx="11275062" cy="4840004"/>
           </a:xfrm>
         </p:spPr>
         <p:txBody>
-          <a:bodyPr/>
+          <a:bodyPr>
+            <a:normAutofit/>
+          </a:bodyPr>
           <a:lstStyle/>
           <a:p>
             <a:pPr marL="342900" indent="-342900">
@@ -4981,7 +4962,7 @@
             </a:pPr>
             <a:r>
               <a:rPr lang="en-US" dirty="0"/>
-              <a:t>Customer churn or customer attrition is the act where customers chose to end their subscription to a service provider. </a:t>
+              <a:t>Digitalization has led to new ways of doing business and companies across the world are being forced to adapt to this. </a:t>
             </a:r>
           </a:p>
           <a:p>
@@ -4991,7 +4972,7 @@
             </a:pPr>
             <a:r>
               <a:rPr lang="en-US" dirty="0"/>
-              <a:t>Businesses across the globe have recognized that customer churn is a huge loss because they spend a large sum of money on attracting customers.</a:t>
+              <a:t>During the COVID - 19 pandemic, subscription-based businesses grew significantly and consumers have a wide variety of options to choose from. This is a challenge for companies as retaining customers can be difficult.</a:t>
             </a:r>
           </a:p>
           <a:p>
@@ -5001,7 +4982,7 @@
             </a:pPr>
             <a:r>
               <a:rPr lang="en-US" dirty="0"/>
-              <a:t>Customer churn can happen for various reasons and the reasons might differ from one customer to the other. </a:t>
+              <a:t>We have abundant information about the customers collected over the years. Therefore, it is necessary to automatically extract valuable information from this data. </a:t>
             </a:r>
           </a:p>
           <a:p>
@@ -5011,7 +4992,7 @@
             </a:pPr>
             <a:r>
               <a:rPr lang="en-US" dirty="0"/>
-              <a:t>To retain customers, firms invest in customer churn prediction where they try to predict which of the customers will churn so that they can apply preventive measures.</a:t>
+              <a:t>This has led to the growth machine learning techniques because of their ability to handle  large data and gain insights into them. </a:t>
             </a:r>
           </a:p>
           <a:p>
@@ -5021,7 +5002,7 @@
             </a:pPr>
             <a:r>
               <a:rPr lang="en-US" dirty="0"/>
-              <a:t> The preventive measures to be applied depending on the reason a customer might churn. Some examples of preventive measures could be offering discounts or including an extra service</a:t>
+              <a:t>Enterprises use different data analysis techniques to find customer pattern behavior while purchasing a product to patterns related to customer churning. In a subscription-based business, the key part of success is to minimize the rate of customers ending their subscriptions</a:t>
             </a:r>
           </a:p>
         </p:txBody>
@@ -5029,7 +5010,7 @@
     </p:spTree>
     <p:extLst>
       <p:ext uri="{BB962C8B-B14F-4D97-AF65-F5344CB8AC3E}">
-        <p14:creationId xmlns:p14="http://schemas.microsoft.com/office/powerpoint/2010/main" val="1458246140"/>
+        <p14:creationId xmlns:p14="http://schemas.microsoft.com/office/powerpoint/2010/main" val="2796241229"/>
       </p:ext>
     </p:extLst>
   </p:cSld>
@@ -5061,7 +5042,7 @@
           <p:cNvPr id="2" name="Title 1">
             <a:extLst>
               <a:ext uri="{FF2B5EF4-FFF2-40B4-BE49-F238E27FC236}">
-                <a16:creationId xmlns:a16="http://schemas.microsoft.com/office/drawing/2014/main" id="{4ECA42F4-9B13-918B-A0A2-39BDB6573790}"/>
+                <a16:creationId xmlns:a16="http://schemas.microsoft.com/office/drawing/2014/main" id="{BF8FECE2-2570-83CD-5667-D007B37969C5}"/>
               </a:ext>
             </a:extLst>
           </p:cNvPr>
@@ -5074,8 +5055,8 @@
         </p:nvSpPr>
         <p:spPr>
           <a:xfrm>
-            <a:off x="367645" y="978408"/>
-            <a:ext cx="11315705" cy="1302879"/>
+            <a:off x="537328" y="978409"/>
+            <a:ext cx="10831398" cy="972940"/>
           </a:xfrm>
         </p:spPr>
         <p:txBody>
@@ -5084,7 +5065,7 @@
           <a:p>
             <a:r>
               <a:rPr lang="en-US" dirty="0"/>
-              <a:t>PURPOSE</a:t>
+              <a:t>WHAT IS CUSTOMER CHURN?</a:t>
             </a:r>
           </a:p>
         </p:txBody>
@@ -5094,7 +5075,7 @@
           <p:cNvPr id="3" name="Content Placeholder 2">
             <a:extLst>
               <a:ext uri="{FF2B5EF4-FFF2-40B4-BE49-F238E27FC236}">
-                <a16:creationId xmlns:a16="http://schemas.microsoft.com/office/drawing/2014/main" id="{69BB3436-AD7D-315D-A7B8-5A8232D36B1B}"/>
+                <a16:creationId xmlns:a16="http://schemas.microsoft.com/office/drawing/2014/main" id="{91F26DBB-86E9-D2C5-44AF-AC28B8EDC578}"/>
               </a:ext>
             </a:extLst>
           </p:cNvPr>
@@ -5107,14 +5088,12 @@
         </p:nvSpPr>
         <p:spPr>
           <a:xfrm>
-            <a:off x="367645" y="2036190"/>
-            <a:ext cx="11315705" cy="4506012"/>
+            <a:off x="641022" y="2121032"/>
+            <a:ext cx="11133055" cy="4543719"/>
           </a:xfrm>
         </p:spPr>
         <p:txBody>
-          <a:bodyPr>
-            <a:normAutofit/>
-          </a:bodyPr>
+          <a:bodyPr/>
           <a:lstStyle/>
           <a:p>
             <a:pPr marL="342900" indent="-342900">
@@ -5123,7 +5102,7 @@
             </a:pPr>
             <a:r>
               <a:rPr lang="en-US" dirty="0"/>
-              <a:t>Helps companies understand the customer purchase pattern and whether they are providing a satisfying service. </a:t>
+              <a:t>Customer churn or customer attrition is the act where customers chose to end their subscription to a service provider. </a:t>
             </a:r>
           </a:p>
           <a:p>
@@ -5133,7 +5112,7 @@
             </a:pPr>
             <a:r>
               <a:rPr lang="en-US" dirty="0"/>
-              <a:t>Companies can save money by retaining existing customers rather than investing in new customers.</a:t>
+              <a:t>Businesses across the globe have recognized that customer churn is a huge loss because they spend a large sum of money on attracting customers.</a:t>
             </a:r>
           </a:p>
           <a:p>
@@ -5143,7 +5122,7 @@
             </a:pPr>
             <a:r>
               <a:rPr lang="en-US" dirty="0"/>
-              <a:t>Churn Analysis helps a company to understand why customers don't return back for repeated business or why they return for repeated business.</a:t>
+              <a:t>Customer churn can happen for various reasons and the reasons might differ from one customer to the other. </a:t>
             </a:r>
           </a:p>
           <a:p>
@@ -5153,7 +5132,7 @@
             </a:pPr>
             <a:r>
               <a:rPr lang="en-US" dirty="0"/>
-              <a:t>Companies would get to know what portion of customers leave over a period of time and helps in customer retention.</a:t>
+              <a:t>To retain customers, firms invest in customer churn prediction where they try to predict which of the customers will churn so that they can apply preventive measures.</a:t>
             </a:r>
           </a:p>
           <a:p>
@@ -5163,7 +5142,7 @@
             </a:pPr>
             <a:r>
               <a:rPr lang="en-US" dirty="0"/>
-              <a:t>Helps in developing new strategies over the due course of time and helps to optimize the company's products and services.</a:t>
+              <a:t> The preventive measures to be applied depending on the reason a customer might churn. Some examples of preventive measures could be offering discounts or including an extra service</a:t>
             </a:r>
           </a:p>
         </p:txBody>
@@ -5171,7 +5150,7 @@
     </p:spTree>
     <p:extLst>
       <p:ext uri="{BB962C8B-B14F-4D97-AF65-F5344CB8AC3E}">
-        <p14:creationId xmlns:p14="http://schemas.microsoft.com/office/powerpoint/2010/main" val="426369491"/>
+        <p14:creationId xmlns:p14="http://schemas.microsoft.com/office/powerpoint/2010/main" val="1458246140"/>
       </p:ext>
     </p:extLst>
   </p:cSld>
@@ -5203,6 +5182,148 @@
           <p:cNvPr id="2" name="Title 1">
             <a:extLst>
               <a:ext uri="{FF2B5EF4-FFF2-40B4-BE49-F238E27FC236}">
+                <a16:creationId xmlns:a16="http://schemas.microsoft.com/office/drawing/2014/main" id="{4ECA42F4-9B13-918B-A0A2-39BDB6573790}"/>
+              </a:ext>
+            </a:extLst>
+          </p:cNvPr>
+          <p:cNvSpPr>
+            <a:spLocks noGrp="1"/>
+          </p:cNvSpPr>
+          <p:nvPr>
+            <p:ph type="title"/>
+          </p:nvPr>
+        </p:nvSpPr>
+        <p:spPr>
+          <a:xfrm>
+            <a:off x="367645" y="978408"/>
+            <a:ext cx="11315705" cy="1302879"/>
+          </a:xfrm>
+        </p:spPr>
+        <p:txBody>
+          <a:bodyPr/>
+          <a:lstStyle/>
+          <a:p>
+            <a:r>
+              <a:rPr lang="en-US" dirty="0"/>
+              <a:t>PURPOSE</a:t>
+            </a:r>
+          </a:p>
+        </p:txBody>
+      </p:sp>
+      <p:sp>
+        <p:nvSpPr>
+          <p:cNvPr id="3" name="Content Placeholder 2">
+            <a:extLst>
+              <a:ext uri="{FF2B5EF4-FFF2-40B4-BE49-F238E27FC236}">
+                <a16:creationId xmlns:a16="http://schemas.microsoft.com/office/drawing/2014/main" id="{69BB3436-AD7D-315D-A7B8-5A8232D36B1B}"/>
+              </a:ext>
+            </a:extLst>
+          </p:cNvPr>
+          <p:cNvSpPr>
+            <a:spLocks noGrp="1"/>
+          </p:cNvSpPr>
+          <p:nvPr>
+            <p:ph idx="1"/>
+          </p:nvPr>
+        </p:nvSpPr>
+        <p:spPr>
+          <a:xfrm>
+            <a:off x="367645" y="2036190"/>
+            <a:ext cx="11315705" cy="4506012"/>
+          </a:xfrm>
+        </p:spPr>
+        <p:txBody>
+          <a:bodyPr>
+            <a:normAutofit/>
+          </a:bodyPr>
+          <a:lstStyle/>
+          <a:p>
+            <a:pPr marL="342900" indent="-342900">
+              <a:buFont typeface="Arial" panose="020B0604020202020204" pitchFamily="34" charset="0"/>
+              <a:buChar char="•"/>
+            </a:pPr>
+            <a:r>
+              <a:rPr lang="en-US" dirty="0"/>
+              <a:t>Helps companies understand the customer purchase pattern and whether they are providing a satisfying service. </a:t>
+            </a:r>
+          </a:p>
+          <a:p>
+            <a:pPr marL="342900" indent="-342900">
+              <a:buFont typeface="Arial" panose="020B0604020202020204" pitchFamily="34" charset="0"/>
+              <a:buChar char="•"/>
+            </a:pPr>
+            <a:r>
+              <a:rPr lang="en-US" dirty="0"/>
+              <a:t>Companies can save money by retaining existing customers rather than investing in new customers.</a:t>
+            </a:r>
+          </a:p>
+          <a:p>
+            <a:pPr marL="342900" indent="-342900">
+              <a:buFont typeface="Arial" panose="020B0604020202020204" pitchFamily="34" charset="0"/>
+              <a:buChar char="•"/>
+            </a:pPr>
+            <a:r>
+              <a:rPr lang="en-US" dirty="0"/>
+              <a:t>Churn Analysis helps a company to understand why customers don't return back for repeated business or why they return for repeated business.</a:t>
+            </a:r>
+          </a:p>
+          <a:p>
+            <a:pPr marL="342900" indent="-342900">
+              <a:buFont typeface="Arial" panose="020B0604020202020204" pitchFamily="34" charset="0"/>
+              <a:buChar char="•"/>
+            </a:pPr>
+            <a:r>
+              <a:rPr lang="en-US" dirty="0"/>
+              <a:t>Companies would get to know what portion of customers leave over a period of time and helps in customer retention.</a:t>
+            </a:r>
+          </a:p>
+          <a:p>
+            <a:pPr marL="342900" indent="-342900">
+              <a:buFont typeface="Arial" panose="020B0604020202020204" pitchFamily="34" charset="0"/>
+              <a:buChar char="•"/>
+            </a:pPr>
+            <a:r>
+              <a:rPr lang="en-US" dirty="0"/>
+              <a:t>Helps in developing new strategies over the due course of time and helps to optimize the company's products and services.</a:t>
+            </a:r>
+          </a:p>
+        </p:txBody>
+      </p:sp>
+    </p:spTree>
+    <p:extLst>
+      <p:ext uri="{BB962C8B-B14F-4D97-AF65-F5344CB8AC3E}">
+        <p14:creationId xmlns:p14="http://schemas.microsoft.com/office/powerpoint/2010/main" val="426369491"/>
+      </p:ext>
+    </p:extLst>
+  </p:cSld>
+  <p:clrMapOvr>
+    <a:masterClrMapping/>
+  </p:clrMapOvr>
+</p:sld>
+</file>
+
+<file path=ppt/slides/slide7.xml><?xml version="1.0" encoding="utf-8"?>
+<p:sld xmlns:a="http://schemas.openxmlformats.org/drawingml/2006/main" xmlns:r="http://schemas.openxmlformats.org/officeDocument/2006/relationships" xmlns:p="http://schemas.openxmlformats.org/presentationml/2006/main">
+  <p:cSld>
+    <p:spTree>
+      <p:nvGrpSpPr>
+        <p:cNvPr id="1" name=""/>
+        <p:cNvGrpSpPr/>
+        <p:nvPr/>
+      </p:nvGrpSpPr>
+      <p:grpSpPr>
+        <a:xfrm>
+          <a:off x="0" y="0"/>
+          <a:ext cx="0" cy="0"/>
+          <a:chOff x="0" y="0"/>
+          <a:chExt cx="0" cy="0"/>
+        </a:xfrm>
+      </p:grpSpPr>
+      <p:sp>
+        <p:nvSpPr>
+          <p:cNvPr id="2" name="Title 1">
+            <a:extLst>
+              <a:ext uri="{FF2B5EF4-FFF2-40B4-BE49-F238E27FC236}">
                 <a16:creationId xmlns:a16="http://schemas.microsoft.com/office/drawing/2014/main" id="{B364373B-6F7C-6CC7-9F0E-0484FE379D9A}"/>
               </a:ext>
             </a:extLst>
@@ -5383,7 +5504,7 @@
 </p:sld>
 </file>
 
-<file path=ppt/slides/slide7.xml><?xml version="1.0" encoding="utf-8"?>
+<file path=ppt/slides/slide8.xml><?xml version="1.0" encoding="utf-8"?>
 <p:sld xmlns:a="http://schemas.openxmlformats.org/drawingml/2006/main" xmlns:r="http://schemas.openxmlformats.org/officeDocument/2006/relationships" xmlns:p="http://schemas.openxmlformats.org/presentationml/2006/main">
   <p:cSld>
     <p:spTree>
